--- a/all_pic.pptx
+++ b/all_pic.pptx
@@ -5285,6 +5285,12 @@
 <file path=ppt/slides/slide1.xml><?xml version="1.0" encoding="utf-8"?>
 <p:sld xmlns:a="http://schemas.openxmlformats.org/drawingml/2006/main" xmlns:r="http://schemas.openxmlformats.org/officeDocument/2006/relationships" xmlns:p="http://schemas.openxmlformats.org/presentationml/2006/main">
   <p:cSld>
+    <p:bg>
+      <p:bgPr>
+        <a:noFill/>
+        <a:effectLst/>
+      </p:bgPr>
+    </p:bg>
     <p:spTree>
       <p:nvGrpSpPr>
         <p:cNvPr id="1" name=""/>
@@ -5607,7 +5613,7 @@
           </p:nvSpPr>
           <p:spPr>
             <a:xfrm rot="5400000">
-              <a:off x="6971" y="7548"/>
+              <a:off x="6969" y="7550"/>
               <a:ext cx="4342" cy="3612"/>
             </a:xfrm>
             <a:prstGeom prst="trapezoid">
@@ -5616,23 +5622,39 @@
           </p:spPr>
           <p:style>
             <a:lnRef idx="0">
-              <a:schemeClr val="accent3"/>
+              <a:schemeClr val="accent2"/>
             </a:lnRef>
             <a:fillRef idx="3">
-              <a:schemeClr val="accent3"/>
+              <a:schemeClr val="accent2"/>
             </a:fillRef>
             <a:effectRef idx="3">
-              <a:schemeClr val="accent3"/>
+              <a:schemeClr val="accent2"/>
             </a:effectRef>
             <a:fontRef idx="minor">
               <a:schemeClr val="lt1"/>
             </a:fontRef>
           </p:style>
           <p:txBody>
-            <a:bodyPr rtlCol="0" anchor="ctr"/>
+            <a:bodyPr vert="vert270" rtlCol="0" anchor="ctr"/>
             <a:p>
               <a:pPr algn="ctr"/>
-              <a:endParaRPr lang="zh-CN" altLang="en-US" sz="1950"/>
+              <a:r>
+                <a:rPr lang="en-US" altLang="zh-CN" sz="1950">
+                  <a:solidFill>
+                    <a:schemeClr val="tx1"/>
+                  </a:solidFill>
+                  <a:latin typeface="Times New Roman" panose="02020603050405020304" charset="0"/>
+                  <a:cs typeface="Times New Roman" panose="02020603050405020304" charset="0"/>
+                </a:rPr>
+                <a:t>re-id model</a:t>
+              </a:r>
+              <a:endParaRPr lang="en-US" altLang="zh-CN" sz="1950">
+                <a:solidFill>
+                  <a:schemeClr val="tx1"/>
+                </a:solidFill>
+                <a:latin typeface="Times New Roman" panose="02020603050405020304" charset="0"/>
+                <a:cs typeface="Times New Roman" panose="02020603050405020304" charset="0"/>
+              </a:endParaRPr>
             </a:p>
           </p:txBody>
         </p:sp>
@@ -5672,10 +5694,10 @@
               </p:nvGrpSpPr>
               <p:grpSpPr>
                 <a:xfrm>
-                  <a:off x="585" y="1063"/>
-                  <a:ext cx="2255" cy="1965"/>
-                  <a:chOff x="414" y="407"/>
-                  <a:chExt cx="1425" cy="1250"/>
+                  <a:off x="585" y="744"/>
+                  <a:ext cx="2255" cy="1976"/>
+                  <a:chOff x="414" y="204"/>
+                  <a:chExt cx="1425" cy="1257"/>
                 </a:xfrm>
               </p:grpSpPr>
               <p:pic>
@@ -5694,7 +5716,7 @@
                 </p:blipFill>
                 <p:spPr>
                   <a:xfrm>
-                    <a:off x="414" y="423"/>
+                    <a:off x="414" y="227"/>
                     <a:ext cx="617" cy="1234"/>
                   </a:xfrm>
                   <a:prstGeom prst="rect">
@@ -5718,7 +5740,7 @@
                 </p:blipFill>
                 <p:spPr>
                   <a:xfrm>
-                    <a:off x="825" y="415"/>
+                    <a:off x="825" y="204"/>
                     <a:ext cx="617" cy="1234"/>
                   </a:xfrm>
                   <a:prstGeom prst="rect">
@@ -5742,7 +5764,7 @@
                 </p:blipFill>
                 <p:spPr>
                   <a:xfrm>
-                    <a:off x="1222" y="407"/>
+                    <a:off x="1222" y="211"/>
                     <a:ext cx="617" cy="1234"/>
                   </a:xfrm>
                   <a:prstGeom prst="rect">
@@ -5759,10 +5781,10 @@
               </p:nvGrpSpPr>
               <p:grpSpPr>
                 <a:xfrm>
-                  <a:off x="563" y="2737"/>
-                  <a:ext cx="2254" cy="1861"/>
-                  <a:chOff x="2137" y="4481"/>
-                  <a:chExt cx="1757" cy="1519"/>
+                  <a:off x="563" y="1965"/>
+                  <a:ext cx="2254" cy="1856"/>
+                  <a:chOff x="2137" y="3851"/>
+                  <a:chExt cx="1757" cy="1515"/>
                 </a:xfrm>
               </p:grpSpPr>
               <p:pic>
@@ -5781,7 +5803,7 @@
                 </p:blipFill>
                 <p:spPr>
                   <a:xfrm>
-                    <a:off x="2137" y="4503"/>
+                    <a:off x="2137" y="3869"/>
                     <a:ext cx="748" cy="1497"/>
                   </a:xfrm>
                   <a:prstGeom prst="rect">
@@ -5805,7 +5827,7 @@
                 </p:blipFill>
                 <p:spPr>
                   <a:xfrm>
-                    <a:off x="2674" y="4492"/>
+                    <a:off x="2674" y="3860"/>
                     <a:ext cx="748" cy="1497"/>
                   </a:xfrm>
                   <a:prstGeom prst="rect">
@@ -5829,7 +5851,7 @@
                 </p:blipFill>
                 <p:spPr>
                   <a:xfrm>
-                    <a:off x="3146" y="4481"/>
+                    <a:off x="3146" y="3851"/>
                     <a:ext cx="748" cy="1497"/>
                   </a:xfrm>
                   <a:prstGeom prst="rect">
@@ -5894,9 +5916,9 @@
             </p:nvGrpSpPr>
             <p:grpSpPr>
               <a:xfrm>
-                <a:off x="1657" y="10744"/>
+                <a:off x="1657" y="11454"/>
                 <a:ext cx="2876" cy="2205"/>
-                <a:chOff x="6333" y="4190"/>
+                <a:chOff x="6333" y="4680"/>
                 <a:chExt cx="1732" cy="1521"/>
               </a:xfrm>
             </p:grpSpPr>
@@ -5916,7 +5938,7 @@
               </p:blipFill>
               <p:spPr>
                 <a:xfrm>
-                  <a:off x="6333" y="4202"/>
+                  <a:off x="6333" y="4692"/>
                   <a:ext cx="748" cy="1497"/>
                 </a:xfrm>
                 <a:prstGeom prst="rect">
@@ -5940,7 +5962,7 @@
               </p:blipFill>
               <p:spPr>
                 <a:xfrm>
-                  <a:off x="6827" y="4214"/>
+                  <a:off x="6827" y="4704"/>
                   <a:ext cx="748" cy="1497"/>
                 </a:xfrm>
                 <a:prstGeom prst="rect">
@@ -5964,7 +5986,7 @@
               </p:blipFill>
               <p:spPr>
                 <a:xfrm>
-                  <a:off x="7317" y="4190"/>
+                  <a:off x="7317" y="4680"/>
                   <a:ext cx="748" cy="1497"/>
                 </a:xfrm>
                 <a:prstGeom prst="rect">
@@ -5983,7 +6005,7 @@
         </p:nvSpPr>
         <p:spPr>
           <a:xfrm>
-            <a:off x="1287433" y="5020020"/>
+            <a:off x="1496348" y="3360130"/>
             <a:ext cx="623570" cy="702689"/>
           </a:xfrm>
           <a:prstGeom prst="rect">
